--- a/extra/Hashmap.pptx
+++ b/extra/Hashmap.pptx
@@ -1,14 +1,14 @@
 
 <file path=ppt/presentation.xml><?xml version="1.0" encoding="utf-8"?>
-<p:presentation xmlns:a="http://schemas.openxmlformats.org/drawingml/2006/main" xmlns:r="http://schemas.openxmlformats.org/officeDocument/2006/relationships" xmlns:p="http://schemas.openxmlformats.org/presentationml/2006/main" removePersonalInfoOnSave="1">
+<p:presentation xmlns:a="http://schemas.openxmlformats.org/drawingml/2006/main" xmlns:r="http://schemas.openxmlformats.org/officeDocument/2006/relationships" xmlns:p="http://schemas.openxmlformats.org/presentationml/2006/main" removePersonalInfoOnSave="1" saveSubsetFonts="1">
   <p:sldMasterIdLst>
     <p:sldMasterId id="2147483648" r:id="rId1"/>
   </p:sldMasterIdLst>
   <p:notesMasterIdLst>
-    <p:notesMasterId r:id="rId4"/>
+    <p:notesMasterId r:id="rId3"/>
   </p:notesMasterIdLst>
   <p:sldIdLst>
-    <p:sldId id="256" r:id="rId3"/>
+    <p:sldId id="256" r:id="rId2"/>
   </p:sldIdLst>
   <p:sldSz cx="12192000" cy="6858000"/>
   <p:notesSz cx="6858000" cy="9144000"/>
@@ -107,6 +107,11 @@
       </a:defRPr>
     </a:lvl9pPr>
   </p:defaultTextStyle>
+  <p:extLst>
+    <p:ext uri="{EFAFB233-063F-42B5-8137-9DF3F51BA10A}">
+      <p15:sldGuideLst xmlns:p15="http://schemas.microsoft.com/office/powerpoint/2012/main"/>
+    </p:ext>
+  </p:extLst>
 </p:presentation>
 </file>
 
@@ -192,6 +197,7 @@
           <a:p>
             <a:fld id="{7F25A8C7-CC1A-4A08-9B4B-31F43B054C7F}" type="datetimeFigureOut">
               <a:rPr lang="zh-CN" altLang="en-US" smtClean="0"/>
+              <a:t>2018/7/24</a:t>
             </a:fld>
             <a:endParaRPr lang="zh-CN" altLang="en-US"/>
           </a:p>
@@ -258,7 +264,6 @@
               <a:rPr lang="zh-CN" altLang="en-US"/>
               <a:t>单击此处编辑母版文本样式</a:t>
             </a:r>
-            <a:endParaRPr lang="zh-CN" altLang="en-US"/>
           </a:p>
           <a:p>
             <a:pPr lvl="1"/>
@@ -266,7 +271,6 @@
               <a:rPr lang="zh-CN" altLang="en-US"/>
               <a:t>第二级</a:t>
             </a:r>
-            <a:endParaRPr lang="zh-CN" altLang="en-US"/>
           </a:p>
           <a:p>
             <a:pPr lvl="2"/>
@@ -274,7 +278,6 @@
               <a:rPr lang="zh-CN" altLang="en-US"/>
               <a:t>第三级</a:t>
             </a:r>
-            <a:endParaRPr lang="zh-CN" altLang="en-US"/>
           </a:p>
           <a:p>
             <a:pPr lvl="3"/>
@@ -282,7 +285,6 @@
               <a:rPr lang="zh-CN" altLang="en-US"/>
               <a:t>第四级</a:t>
             </a:r>
-            <a:endParaRPr lang="zh-CN" altLang="en-US"/>
           </a:p>
           <a:p>
             <a:pPr lvl="4"/>
@@ -290,7 +292,6 @@
               <a:rPr lang="zh-CN" altLang="en-US"/>
               <a:t>第五级</a:t>
             </a:r>
-            <a:endParaRPr lang="zh-CN" altLang="en-US"/>
           </a:p>
         </p:txBody>
       </p:sp>
@@ -354,12 +355,18 @@
           <a:p>
             <a:fld id="{F9E1B693-632D-4080-9CF6-EA28B66DC801}" type="slidenum">
               <a:rPr lang="zh-CN" altLang="en-US" smtClean="0"/>
+              <a:t>‹#›</a:t>
             </a:fld>
             <a:endParaRPr lang="zh-CN" altLang="en-US"/>
           </a:p>
         </p:txBody>
       </p:sp>
     </p:spTree>
+    <p:extLst>
+      <p:ext uri="{BB962C8B-B14F-4D97-AF65-F5344CB8AC3E}">
+        <p14:creationId xmlns:p14="http://schemas.microsoft.com/office/powerpoint/2010/main" val="1057601745"/>
+      </p:ext>
+    </p:extLst>
   </p:cSld>
   <p:clrMap bg1="lt1" tx1="dk1" bg2="lt2" tx2="dk2" accent1="accent1" accent2="accent2" accent3="accent3" accent4="accent4" accent5="accent5" accent6="accent6" hlink="hlink" folHlink="folHlink"/>
   <p:notesStyle>
@@ -550,6 +557,7 @@
                 <a:latin typeface="Calibri" panose="020F0502020204030204" pitchFamily="34" charset="0"/>
                 <a:ea typeface="微软雅黑" panose="020B0503020204020204" pitchFamily="34" charset="-122"/>
               </a:rPr>
+              <a:t>1</a:t>
             </a:fld>
             <a:endParaRPr kumimoji="0" lang="zh-CN" altLang="en-US" sz="1200" b="0" i="0" u="none" strike="noStrike" kern="1200" cap="none" spc="0" normalizeH="0" baseline="0" noProof="0">
               <a:ln>
@@ -568,6 +576,11 @@
         </p:txBody>
       </p:sp>
     </p:spTree>
+    <p:extLst>
+      <p:ext uri="{BB962C8B-B14F-4D97-AF65-F5344CB8AC3E}">
+        <p14:creationId xmlns:p14="http://schemas.microsoft.com/office/powerpoint/2010/main" val="390381996"/>
+      </p:ext>
+    </p:extLst>
   </p:cSld>
   <p:clrMapOvr>
     <a:masterClrMapping/>
@@ -622,7 +635,6 @@
               <a:rPr lang="zh-CN" altLang="en-US" dirty="0"/>
               <a:t>单击此处编辑标题</a:t>
             </a:r>
-            <a:endParaRPr lang="zh-CN" altLang="en-US" dirty="0"/>
           </a:p>
         </p:txBody>
       </p:sp>
@@ -689,7 +701,6 @@
               <a:rPr lang="zh-CN" altLang="en-US" dirty="0"/>
               <a:t>单击此处编辑母版副标题样式</a:t>
             </a:r>
-            <a:endParaRPr lang="zh-CN" altLang="en-US" dirty="0"/>
           </a:p>
         </p:txBody>
       </p:sp>
@@ -710,6 +721,7 @@
           <a:p>
             <a:fld id="{D997B5FA-0921-464F-AAE1-844C04324D75}" type="datetimeFigureOut">
               <a:rPr lang="zh-CN" altLang="en-US" smtClean="0"/>
+              <a:t>2018/7/24</a:t>
             </a:fld>
             <a:endParaRPr lang="zh-CN" altLang="en-US" dirty="0"/>
           </a:p>
@@ -751,6 +763,7 @@
           <a:p>
             <a:fld id="{565CE74E-AB26-4998-AD42-012C4C1AD076}" type="slidenum">
               <a:rPr lang="zh-CN" altLang="en-US" smtClean="0"/>
+              <a:t>‹#›</a:t>
             </a:fld>
             <a:endParaRPr lang="zh-CN" altLang="en-US"/>
           </a:p>
@@ -798,6 +811,7 @@
           <a:p>
             <a:fld id="{760FBDFE-C587-4B4C-A407-44438C67B59E}" type="datetimeFigureOut">
               <a:rPr lang="zh-CN" altLang="en-US" smtClean="0"/>
+              <a:t>2018/7/24</a:t>
             </a:fld>
             <a:endParaRPr lang="zh-CN" altLang="en-US"/>
           </a:p>
@@ -839,6 +853,7 @@
           <a:p>
             <a:fld id="{49AE70B2-8BF9-45C0-BB95-33D1B9D3A854}" type="slidenum">
               <a:rPr lang="zh-CN" altLang="en-US" smtClean="0"/>
+              <a:t>‹#›</a:t>
             </a:fld>
             <a:endParaRPr lang="zh-CN" altLang="en-US"/>
           </a:p>
@@ -869,7 +884,6 @@
               <a:rPr lang="zh-CN" altLang="en-US" dirty="0"/>
               <a:t>单击此处编辑母版文本样式</a:t>
             </a:r>
-            <a:endParaRPr lang="zh-CN" altLang="en-US" dirty="0"/>
           </a:p>
           <a:p>
             <a:pPr lvl="1"/>
@@ -877,7 +891,6 @@
               <a:rPr lang="zh-CN" altLang="en-US" dirty="0"/>
               <a:t>第二级</a:t>
             </a:r>
-            <a:endParaRPr lang="zh-CN" altLang="en-US" dirty="0"/>
           </a:p>
           <a:p>
             <a:pPr lvl="2"/>
@@ -885,7 +898,6 @@
               <a:rPr lang="zh-CN" altLang="en-US" dirty="0"/>
               <a:t>第三级</a:t>
             </a:r>
-            <a:endParaRPr lang="zh-CN" altLang="en-US" dirty="0"/>
           </a:p>
           <a:p>
             <a:pPr lvl="3"/>
@@ -893,7 +905,6 @@
               <a:rPr lang="zh-CN" altLang="en-US" dirty="0"/>
               <a:t>第四级</a:t>
             </a:r>
-            <a:endParaRPr lang="zh-CN" altLang="en-US" dirty="0"/>
           </a:p>
           <a:p>
             <a:pPr lvl="4"/>
@@ -901,7 +912,6 @@
               <a:rPr lang="zh-CN" altLang="en-US" dirty="0"/>
               <a:t>第五级</a:t>
             </a:r>
-            <a:endParaRPr lang="zh-CN" altLang="en-US" dirty="0"/>
           </a:p>
         </p:txBody>
       </p:sp>
@@ -949,7 +959,6 @@
               <a:rPr lang="zh-CN" altLang="en-US" dirty="0"/>
               <a:t>单击此处编辑母版标题样式</a:t>
             </a:r>
-            <a:endParaRPr lang="zh-CN" altLang="en-US" dirty="0"/>
           </a:p>
         </p:txBody>
       </p:sp>
@@ -989,7 +998,6 @@
               <a:rPr lang="zh-CN" altLang="en-US" dirty="0"/>
               <a:t>单击此处编辑母版文本样式</a:t>
             </a:r>
-            <a:endParaRPr lang="zh-CN" altLang="en-US" dirty="0"/>
           </a:p>
           <a:p>
             <a:pPr lvl="1"/>
@@ -997,7 +1005,6 @@
               <a:rPr lang="zh-CN" altLang="en-US" dirty="0"/>
               <a:t>第二级</a:t>
             </a:r>
-            <a:endParaRPr lang="zh-CN" altLang="en-US" dirty="0"/>
           </a:p>
           <a:p>
             <a:pPr lvl="2"/>
@@ -1005,7 +1012,6 @@
               <a:rPr lang="zh-CN" altLang="en-US" dirty="0"/>
               <a:t>第三级</a:t>
             </a:r>
-            <a:endParaRPr lang="zh-CN" altLang="en-US" dirty="0"/>
           </a:p>
           <a:p>
             <a:pPr lvl="3"/>
@@ -1013,7 +1019,6 @@
               <a:rPr lang="zh-CN" altLang="en-US" dirty="0"/>
               <a:t>第四级</a:t>
             </a:r>
-            <a:endParaRPr lang="zh-CN" altLang="en-US" dirty="0"/>
           </a:p>
           <a:p>
             <a:pPr lvl="4"/>
@@ -1021,7 +1026,6 @@
               <a:rPr lang="zh-CN" altLang="en-US" dirty="0"/>
               <a:t>第五级</a:t>
             </a:r>
-            <a:endParaRPr lang="zh-CN" altLang="en-US" dirty="0"/>
           </a:p>
         </p:txBody>
       </p:sp>
@@ -1042,6 +1046,7 @@
           <a:p>
             <a:fld id="{760FBDFE-C587-4B4C-A407-44438C67B59E}" type="datetimeFigureOut">
               <a:rPr lang="zh-CN" altLang="en-US" smtClean="0"/>
+              <a:t>2018/7/24</a:t>
             </a:fld>
             <a:endParaRPr lang="zh-CN" altLang="en-US" dirty="0"/>
           </a:p>
@@ -1083,6 +1088,7 @@
           <a:p>
             <a:fld id="{49AE70B2-8BF9-45C0-BB95-33D1B9D3A854}" type="slidenum">
               <a:rPr lang="zh-CN" altLang="en-US" smtClean="0"/>
+              <a:t>‹#›</a:t>
             </a:fld>
             <a:endParaRPr lang="zh-CN" altLang="en-US"/>
           </a:p>
@@ -1130,6 +1136,7 @@
           <a:p>
             <a:fld id="{20DD7636-5BE1-44BC-BB5F-15739D9E18E1}" type="datetimeFigureOut">
               <a:rPr lang="zh-CN" altLang="en-US" smtClean="0"/>
+              <a:t>2018/7/24</a:t>
             </a:fld>
             <a:endParaRPr lang="zh-CN" altLang="en-US"/>
           </a:p>
@@ -1171,6 +1178,7 @@
           <a:p>
             <a:fld id="{E87C0E1D-24C4-406F-9615-DBDA8D2D1F93}" type="slidenum">
               <a:rPr lang="zh-CN" altLang="en-US" smtClean="0"/>
+              <a:t>‹#›</a:t>
             </a:fld>
             <a:endParaRPr lang="zh-CN" altLang="en-US"/>
           </a:p>
@@ -1206,7 +1214,6 @@
               <a:rPr lang="zh-CN" altLang="en-US" dirty="0"/>
               <a:t>单击此处编辑标题</a:t>
             </a:r>
-            <a:endParaRPr lang="zh-CN" altLang="en-US" dirty="0"/>
           </a:p>
         </p:txBody>
       </p:sp>
@@ -1254,7 +1261,6 @@
               <a:rPr lang="zh-CN" altLang="en-US"/>
               <a:t>单击此处编辑母版标题样式</a:t>
             </a:r>
-            <a:endParaRPr lang="zh-CN" altLang="en-US"/>
           </a:p>
         </p:txBody>
       </p:sp>
@@ -1283,7 +1289,6 @@
               <a:rPr lang="zh-CN" altLang="en-US" dirty="0"/>
               <a:t>单击此处编辑母版文本样式</a:t>
             </a:r>
-            <a:endParaRPr lang="zh-CN" altLang="en-US" dirty="0"/>
           </a:p>
           <a:p>
             <a:pPr lvl="1"/>
@@ -1291,7 +1296,6 @@
               <a:rPr lang="zh-CN" altLang="en-US" dirty="0"/>
               <a:t>第二级</a:t>
             </a:r>
-            <a:endParaRPr lang="zh-CN" altLang="en-US" dirty="0"/>
           </a:p>
           <a:p>
             <a:pPr lvl="2"/>
@@ -1299,7 +1303,6 @@
               <a:rPr lang="zh-CN" altLang="en-US" dirty="0"/>
               <a:t>第三级</a:t>
             </a:r>
-            <a:endParaRPr lang="zh-CN" altLang="en-US" dirty="0"/>
           </a:p>
           <a:p>
             <a:pPr lvl="3"/>
@@ -1307,7 +1310,6 @@
               <a:rPr lang="zh-CN" altLang="en-US" dirty="0"/>
               <a:t>第四级</a:t>
             </a:r>
-            <a:endParaRPr lang="zh-CN" altLang="en-US" dirty="0"/>
           </a:p>
           <a:p>
             <a:pPr lvl="4"/>
@@ -1315,7 +1317,6 @@
               <a:rPr lang="zh-CN" altLang="en-US" dirty="0"/>
               <a:t>第五级</a:t>
             </a:r>
-            <a:endParaRPr lang="zh-CN" altLang="en-US" dirty="0"/>
           </a:p>
         </p:txBody>
       </p:sp>
@@ -1344,7 +1345,6 @@
               <a:rPr lang="zh-CN" altLang="en-US" dirty="0"/>
               <a:t>单击此处编辑母版文本样式</a:t>
             </a:r>
-            <a:endParaRPr lang="zh-CN" altLang="en-US" dirty="0"/>
           </a:p>
           <a:p>
             <a:pPr lvl="1"/>
@@ -1352,7 +1352,6 @@
               <a:rPr lang="zh-CN" altLang="en-US" dirty="0"/>
               <a:t>第二级</a:t>
             </a:r>
-            <a:endParaRPr lang="zh-CN" altLang="en-US" dirty="0"/>
           </a:p>
           <a:p>
             <a:pPr lvl="2"/>
@@ -1360,7 +1359,6 @@
               <a:rPr lang="zh-CN" altLang="en-US" dirty="0"/>
               <a:t>第三级</a:t>
             </a:r>
-            <a:endParaRPr lang="zh-CN" altLang="en-US" dirty="0"/>
           </a:p>
           <a:p>
             <a:pPr lvl="3"/>
@@ -1368,7 +1366,6 @@
               <a:rPr lang="zh-CN" altLang="en-US" dirty="0"/>
               <a:t>第四级</a:t>
             </a:r>
-            <a:endParaRPr lang="zh-CN" altLang="en-US" dirty="0"/>
           </a:p>
           <a:p>
             <a:pPr lvl="4"/>
@@ -1376,7 +1373,6 @@
               <a:rPr lang="zh-CN" altLang="en-US" dirty="0"/>
               <a:t>第五级</a:t>
             </a:r>
-            <a:endParaRPr lang="zh-CN" altLang="en-US" dirty="0"/>
           </a:p>
         </p:txBody>
       </p:sp>
@@ -1397,6 +1393,7 @@
           <a:p>
             <a:fld id="{760FBDFE-C587-4B4C-A407-44438C67B59E}" type="datetimeFigureOut">
               <a:rPr lang="zh-CN" altLang="en-US" smtClean="0"/>
+              <a:t>2018/7/24</a:t>
             </a:fld>
             <a:endParaRPr lang="zh-CN" altLang="en-US"/>
           </a:p>
@@ -1438,6 +1435,7 @@
           <a:p>
             <a:fld id="{49AE70B2-8BF9-45C0-BB95-33D1B9D3A854}" type="slidenum">
               <a:rPr lang="zh-CN" altLang="en-US" smtClean="0"/>
+              <a:t>‹#›</a:t>
             </a:fld>
             <a:endParaRPr lang="zh-CN" altLang="en-US"/>
           </a:p>
@@ -1492,7 +1490,6 @@
               <a:rPr lang="zh-CN" altLang="en-US"/>
               <a:t>单击此处编辑母版标题样式</a:t>
             </a:r>
-            <a:endParaRPr lang="zh-CN" altLang="en-US"/>
           </a:p>
         </p:txBody>
       </p:sp>
@@ -1558,7 +1555,6 @@
               <a:rPr lang="zh-CN" altLang="en-US" dirty="0"/>
               <a:t>单击此处编辑母版文本样式</a:t>
             </a:r>
-            <a:endParaRPr lang="zh-CN" altLang="en-US" dirty="0"/>
           </a:p>
         </p:txBody>
       </p:sp>
@@ -1587,7 +1583,6 @@
               <a:rPr lang="zh-CN" altLang="en-US" dirty="0"/>
               <a:t>单击此处编辑母版文本样式</a:t>
             </a:r>
-            <a:endParaRPr lang="zh-CN" altLang="en-US" dirty="0"/>
           </a:p>
           <a:p>
             <a:pPr lvl="1"/>
@@ -1595,7 +1590,6 @@
               <a:rPr lang="zh-CN" altLang="en-US" dirty="0"/>
               <a:t>第二级</a:t>
             </a:r>
-            <a:endParaRPr lang="zh-CN" altLang="en-US" dirty="0"/>
           </a:p>
           <a:p>
             <a:pPr lvl="2"/>
@@ -1603,7 +1597,6 @@
               <a:rPr lang="zh-CN" altLang="en-US" dirty="0"/>
               <a:t>第三级</a:t>
             </a:r>
-            <a:endParaRPr lang="zh-CN" altLang="en-US" dirty="0"/>
           </a:p>
           <a:p>
             <a:pPr lvl="3"/>
@@ -1611,7 +1604,6 @@
               <a:rPr lang="zh-CN" altLang="en-US" dirty="0"/>
               <a:t>第四级</a:t>
             </a:r>
-            <a:endParaRPr lang="zh-CN" altLang="en-US" dirty="0"/>
           </a:p>
           <a:p>
             <a:pPr lvl="4"/>
@@ -1619,7 +1611,6 @@
               <a:rPr lang="zh-CN" altLang="en-US" dirty="0"/>
               <a:t>第五级</a:t>
             </a:r>
-            <a:endParaRPr lang="zh-CN" altLang="en-US" dirty="0"/>
           </a:p>
         </p:txBody>
       </p:sp>
@@ -1685,7 +1676,6 @@
               <a:rPr lang="zh-CN" altLang="en-US" dirty="0"/>
               <a:t>单击此处编辑母版文本样式</a:t>
             </a:r>
-            <a:endParaRPr lang="zh-CN" altLang="en-US" dirty="0"/>
           </a:p>
         </p:txBody>
       </p:sp>
@@ -1714,7 +1704,6 @@
               <a:rPr lang="zh-CN" altLang="en-US" dirty="0"/>
               <a:t>单击此处编辑母版文本样式</a:t>
             </a:r>
-            <a:endParaRPr lang="zh-CN" altLang="en-US" dirty="0"/>
           </a:p>
           <a:p>
             <a:pPr lvl="1"/>
@@ -1722,7 +1711,6 @@
               <a:rPr lang="zh-CN" altLang="en-US" dirty="0"/>
               <a:t>第二级</a:t>
             </a:r>
-            <a:endParaRPr lang="zh-CN" altLang="en-US" dirty="0"/>
           </a:p>
           <a:p>
             <a:pPr lvl="2"/>
@@ -1730,7 +1718,6 @@
               <a:rPr lang="zh-CN" altLang="en-US" dirty="0"/>
               <a:t>第三级</a:t>
             </a:r>
-            <a:endParaRPr lang="zh-CN" altLang="en-US" dirty="0"/>
           </a:p>
           <a:p>
             <a:pPr lvl="3"/>
@@ -1738,7 +1725,6 @@
               <a:rPr lang="zh-CN" altLang="en-US" dirty="0"/>
               <a:t>第四级</a:t>
             </a:r>
-            <a:endParaRPr lang="zh-CN" altLang="en-US" dirty="0"/>
           </a:p>
           <a:p>
             <a:pPr lvl="4"/>
@@ -1746,7 +1732,6 @@
               <a:rPr lang="zh-CN" altLang="en-US" dirty="0"/>
               <a:t>第五级</a:t>
             </a:r>
-            <a:endParaRPr lang="zh-CN" altLang="en-US" dirty="0"/>
           </a:p>
         </p:txBody>
       </p:sp>
@@ -1767,6 +1752,7 @@
           <a:p>
             <a:fld id="{760FBDFE-C587-4B4C-A407-44438C67B59E}" type="datetimeFigureOut">
               <a:rPr lang="zh-CN" altLang="en-US" smtClean="0"/>
+              <a:t>2018/7/24</a:t>
             </a:fld>
             <a:endParaRPr lang="zh-CN" altLang="en-US"/>
           </a:p>
@@ -1808,6 +1794,7 @@
           <a:p>
             <a:fld id="{49AE70B2-8BF9-45C0-BB95-33D1B9D3A854}" type="slidenum">
               <a:rPr lang="zh-CN" altLang="en-US" smtClean="0"/>
+              <a:t>‹#›</a:t>
             </a:fld>
             <a:endParaRPr lang="zh-CN" altLang="en-US"/>
           </a:p>
@@ -1872,7 +1859,6 @@
               <a:rPr lang="zh-CN" altLang="en-US" dirty="0"/>
               <a:t>编辑标题</a:t>
             </a:r>
-            <a:endParaRPr lang="zh-CN" altLang="en-US" dirty="0"/>
           </a:p>
         </p:txBody>
       </p:sp>
@@ -1893,6 +1879,7 @@
           <a:p>
             <a:fld id="{20DD7636-5BE1-44BC-BB5F-15739D9E18E1}" type="datetimeFigureOut">
               <a:rPr lang="zh-CN" altLang="en-US" smtClean="0"/>
+              <a:t>2018/7/24</a:t>
             </a:fld>
             <a:endParaRPr lang="zh-CN" altLang="en-US"/>
           </a:p>
@@ -1934,6 +1921,7 @@
           <a:p>
             <a:fld id="{E87C0E1D-24C4-406F-9615-DBDA8D2D1F93}" type="slidenum">
               <a:rPr lang="zh-CN" altLang="en-US" smtClean="0"/>
+              <a:t>‹#›</a:t>
             </a:fld>
             <a:endParaRPr lang="zh-CN" altLang="en-US"/>
           </a:p>
@@ -1975,7 +1963,6 @@
               <a:rPr lang="zh-CN" altLang="en-US" dirty="0"/>
               <a:t>编辑文本</a:t>
             </a:r>
-            <a:endParaRPr lang="zh-CN" altLang="en-US" dirty="0"/>
           </a:p>
         </p:txBody>
       </p:sp>
@@ -2021,6 +2008,7 @@
           <a:p>
             <a:fld id="{760FBDFE-C587-4B4C-A407-44438C67B59E}" type="datetimeFigureOut">
               <a:rPr lang="zh-CN" altLang="en-US" smtClean="0"/>
+              <a:t>2018/7/24</a:t>
             </a:fld>
             <a:endParaRPr lang="zh-CN" altLang="en-US"/>
           </a:p>
@@ -2062,6 +2050,7 @@
           <a:p>
             <a:fld id="{49AE70B2-8BF9-45C0-BB95-33D1B9D3A854}" type="slidenum">
               <a:rPr lang="zh-CN" altLang="en-US" smtClean="0"/>
+              <a:t>‹#›</a:t>
             </a:fld>
             <a:endParaRPr lang="zh-CN" altLang="en-US"/>
           </a:p>
@@ -2122,7 +2111,6 @@
               <a:rPr lang="zh-CN" altLang="en-US" dirty="0"/>
               <a:t>单击此处编辑标题</a:t>
             </a:r>
-            <a:endParaRPr lang="zh-CN" altLang="en-US" dirty="0"/>
           </a:p>
         </p:txBody>
       </p:sp>
@@ -2251,7 +2239,6 @@
               <a:rPr lang="zh-CN" altLang="en-US" dirty="0"/>
               <a:t>单击此处编辑母版文本样式</a:t>
             </a:r>
-            <a:endParaRPr lang="zh-CN" altLang="en-US" dirty="0"/>
           </a:p>
         </p:txBody>
       </p:sp>
@@ -2272,6 +2259,7 @@
           <a:p>
             <a:fld id="{9EFD9D74-47D9-4702-A33C-335B63B48DBF}" type="datetimeFigureOut">
               <a:rPr lang="zh-CN" altLang="en-US" smtClean="0"/>
+              <a:t>2018/7/24</a:t>
             </a:fld>
             <a:endParaRPr lang="zh-CN" altLang="en-US" dirty="0"/>
           </a:p>
@@ -2313,6 +2301,7 @@
           <a:p>
             <a:fld id="{FABC47A4-756D-490B-A52F-7D9E2C9FC05F}" type="slidenum">
               <a:rPr lang="zh-CN" altLang="en-US" smtClean="0"/>
+              <a:t>‹#›</a:t>
             </a:fld>
             <a:endParaRPr lang="zh-CN" altLang="en-US"/>
           </a:p>
@@ -2373,7 +2362,6 @@
               <a:rPr lang="zh-CN" altLang="en-US" dirty="0"/>
               <a:t>单击此处编辑标题</a:t>
             </a:r>
-            <a:endParaRPr lang="zh-CN" altLang="en-US" dirty="0"/>
           </a:p>
         </p:txBody>
       </p:sp>
@@ -2402,7 +2390,6 @@
               <a:rPr lang="zh-CN" altLang="en-US" dirty="0"/>
               <a:t>单击此处编辑母版文本样式</a:t>
             </a:r>
-            <a:endParaRPr lang="zh-CN" altLang="en-US" dirty="0"/>
           </a:p>
           <a:p>
             <a:pPr lvl="1"/>
@@ -2410,7 +2397,6 @@
               <a:rPr lang="zh-CN" altLang="en-US" dirty="0"/>
               <a:t>第二级</a:t>
             </a:r>
-            <a:endParaRPr lang="zh-CN" altLang="en-US" dirty="0"/>
           </a:p>
           <a:p>
             <a:pPr lvl="2"/>
@@ -2418,7 +2404,6 @@
               <a:rPr lang="zh-CN" altLang="en-US" dirty="0"/>
               <a:t>第三级</a:t>
             </a:r>
-            <a:endParaRPr lang="zh-CN" altLang="en-US" dirty="0"/>
           </a:p>
           <a:p>
             <a:pPr lvl="3"/>
@@ -2426,7 +2411,6 @@
               <a:rPr lang="zh-CN" altLang="en-US" dirty="0"/>
               <a:t>第四级</a:t>
             </a:r>
-            <a:endParaRPr lang="zh-CN" altLang="en-US" dirty="0"/>
           </a:p>
           <a:p>
             <a:pPr lvl="4"/>
@@ -2434,7 +2418,6 @@
               <a:rPr lang="zh-CN" altLang="en-US" dirty="0"/>
               <a:t>第五级</a:t>
             </a:r>
-            <a:endParaRPr lang="zh-CN" altLang="en-US" dirty="0"/>
           </a:p>
         </p:txBody>
       </p:sp>
@@ -2455,6 +2438,7 @@
           <a:p>
             <a:fld id="{760FBDFE-C587-4B4C-A407-44438C67B59E}" type="datetimeFigureOut">
               <a:rPr lang="zh-CN" altLang="en-US" smtClean="0"/>
+              <a:t>2018/7/24</a:t>
             </a:fld>
             <a:endParaRPr lang="zh-CN" altLang="en-US"/>
           </a:p>
@@ -2496,6 +2480,7 @@
           <a:p>
             <a:fld id="{49AE70B2-8BF9-45C0-BB95-33D1B9D3A854}" type="slidenum">
               <a:rPr lang="zh-CN" altLang="en-US" smtClean="0"/>
+              <a:t>‹#›</a:t>
             </a:fld>
             <a:endParaRPr lang="zh-CN" altLang="en-US"/>
           </a:p>
@@ -2540,7 +2525,7 @@
           <p:nvPr>
             <p:ph type="title"/>
             <p:custDataLst>
-              <p:tags r:id="rId11"/>
+              <p:tags r:id="rId12"/>
             </p:custDataLst>
           </p:nvPr>
         </p:nvSpPr>
@@ -2563,7 +2548,6 @@
               <a:rPr lang="zh-CN" altLang="en-US" dirty="0"/>
               <a:t>单击此处编辑母版标题样式</a:t>
             </a:r>
-            <a:endParaRPr lang="zh-CN" altLang="en-US" dirty="0"/>
           </a:p>
         </p:txBody>
       </p:sp>
@@ -2576,7 +2560,7 @@
           <p:nvPr>
             <p:ph type="body" idx="1"/>
             <p:custDataLst>
-              <p:tags r:id="rId12"/>
+              <p:tags r:id="rId13"/>
             </p:custDataLst>
           </p:nvPr>
         </p:nvSpPr>
@@ -2600,7 +2584,6 @@
               <a:rPr lang="zh-CN" altLang="en-US" dirty="0"/>
               <a:t>单击此处编辑母版文本样式</a:t>
             </a:r>
-            <a:endParaRPr lang="zh-CN" altLang="en-US" dirty="0"/>
           </a:p>
           <a:p>
             <a:pPr lvl="1"/>
@@ -2608,7 +2591,6 @@
               <a:rPr lang="zh-CN" altLang="en-US" dirty="0"/>
               <a:t>第二级</a:t>
             </a:r>
-            <a:endParaRPr lang="zh-CN" altLang="en-US" dirty="0"/>
           </a:p>
           <a:p>
             <a:pPr lvl="2"/>
@@ -2616,7 +2598,6 @@
               <a:rPr lang="zh-CN" altLang="en-US" dirty="0"/>
               <a:t>第三级</a:t>
             </a:r>
-            <a:endParaRPr lang="zh-CN" altLang="en-US" dirty="0"/>
           </a:p>
           <a:p>
             <a:pPr lvl="3"/>
@@ -2624,7 +2605,6 @@
               <a:rPr lang="zh-CN" altLang="en-US" dirty="0"/>
               <a:t>第四级</a:t>
             </a:r>
-            <a:endParaRPr lang="zh-CN" altLang="en-US" dirty="0"/>
           </a:p>
           <a:p>
             <a:pPr lvl="4"/>
@@ -2632,7 +2612,6 @@
               <a:rPr lang="zh-CN" altLang="en-US" dirty="0"/>
               <a:t>第五级</a:t>
             </a:r>
-            <a:endParaRPr lang="zh-CN" altLang="en-US" dirty="0"/>
           </a:p>
         </p:txBody>
       </p:sp>
@@ -2675,6 +2654,7 @@
           <a:p>
             <a:fld id="{D997B5FA-0921-464F-AAE1-844C04324D75}" type="datetimeFigureOut">
               <a:rPr lang="zh-CN" altLang="en-US" smtClean="0"/>
+              <a:t>2018/7/24</a:t>
             </a:fld>
             <a:endParaRPr lang="zh-CN" altLang="en-US" dirty="0"/>
           </a:p>
@@ -2760,6 +2740,7 @@
           <a:p>
             <a:fld id="{565CE74E-AB26-4998-AD42-012C4C1AD076}" type="slidenum">
               <a:rPr lang="zh-CN" altLang="en-US" smtClean="0"/>
+              <a:t>‹#›</a:t>
             </a:fld>
             <a:endParaRPr lang="zh-CN" altLang="en-US"/>
           </a:p>
@@ -2771,7 +2752,7 @@
           <p:cNvSpPr/>
           <p:nvPr userDrawn="1">
             <p:custDataLst>
-              <p:tags r:id="rId13"/>
+              <p:tags r:id="rId14"/>
             </p:custDataLst>
           </p:nvPr>
         </p:nvSpPr>
@@ -3133,7 +3114,7 @@
         <p:spPr>
           <a:xfrm>
             <a:off x="1057275" y="671195"/>
-            <a:ext cx="3670935" cy="922020"/>
+            <a:ext cx="6541150" cy="646331"/>
           </a:xfrm>
           <a:prstGeom prst="rect">
             <a:avLst/>
@@ -3144,68 +3125,109 @@
           <a:bodyPr wrap="none" rtlCol="0">
             <a:spAutoFit/>
           </a:bodyPr>
+          <a:lstStyle/>
           <a:p>
             <a:pPr algn="l"/>
             <a:r>
-              <a:rPr lang="zh-CN" altLang="en-US"/>
+              <a:rPr lang="zh-CN" altLang="en-US" dirty="0"/>
               <a:t>假设有两个</a:t>
             </a:r>
             <a:r>
-              <a:rPr lang="en-US" altLang="zh-CN"/>
+              <a:rPr lang="en-US" altLang="zh-CN" dirty="0"/>
               <a:t>key</a:t>
             </a:r>
             <a:r>
-              <a:rPr lang="zh-CN" altLang="en-US"/>
+              <a:rPr lang="zh-CN" altLang="en-US" dirty="0"/>
               <a:t>的</a:t>
             </a:r>
             <a:r>
-              <a:rPr lang="en-US" altLang="zh-CN"/>
+              <a:rPr lang="en-US" altLang="zh-CN" dirty="0"/>
               <a:t>hash</a:t>
             </a:r>
             <a:r>
-              <a:rPr lang="zh-CN" altLang="en-US"/>
+              <a:rPr lang="zh-CN" altLang="en-US" dirty="0"/>
               <a:t>后为</a:t>
             </a:r>
             <a:r>
-              <a:rPr lang="en-US" altLang="zh-CN"/>
+              <a:rPr lang="en-US" altLang="zh-CN" dirty="0" smtClean="0"/>
               <a:t>100,116</a:t>
             </a:r>
-            <a:endParaRPr lang="en-US" altLang="zh-CN"/>
+            <a:r>
+              <a:rPr lang="zh-CN" altLang="en-US" dirty="0" smtClean="0"/>
+              <a:t>，没扩容前都是存在</a:t>
+            </a:r>
+            <a:r>
+              <a:rPr lang="en-US" altLang="zh-CN" dirty="0" smtClean="0"/>
+              <a:t>table[4]</a:t>
+            </a:r>
+            <a:endParaRPr lang="zh-CN" altLang="en-US" dirty="0"/>
           </a:p>
           <a:p>
             <a:pPr algn="l"/>
-            <a:endParaRPr lang="zh-CN" altLang="en-US"/>
-          </a:p>
-          <a:p>
-            <a:pPr algn="l"/>
-            <a:r>
-              <a:rPr lang="en-US" altLang="zh-CN">
+            <a:r>
+              <a:rPr lang="en-US" altLang="zh-CN" dirty="0">
                 <a:solidFill>
                   <a:srgbClr val="FF0000"/>
                 </a:solidFill>
                 <a:sym typeface="+mn-ea"/>
               </a:rPr>
-              <a:t>index = hash &amp; oldCap(</a:t>
-            </a:r>
-            <a:r>
-              <a:rPr lang="en-US" altLang="zh-CN">
+              <a:t>index = hash &amp; </a:t>
+            </a:r>
+            <a:r>
+              <a:rPr lang="en-US" altLang="zh-CN" dirty="0" smtClean="0">
                 <a:solidFill>
                   <a:srgbClr val="FF0000"/>
                 </a:solidFill>
                 <a:sym typeface="+mn-ea"/>
               </a:rPr>
-              <a:t>1000 = 16</a:t>
-            </a:r>
-            <a:r>
-              <a:rPr lang="en-US" altLang="zh-CN">
+              <a:t>(</a:t>
+            </a:r>
+            <a:r>
+              <a:rPr lang="en-US" altLang="zh-CN" dirty="0" err="1" smtClean="0">
                 <a:solidFill>
                   <a:srgbClr val="FF0000"/>
                 </a:solidFill>
                 <a:sym typeface="+mn-ea"/>
               </a:rPr>
-              <a:t>)</a:t>
-            </a:r>
-            <a:endParaRPr lang="en-US" altLang="zh-CN">
+              <a:t>oldCap</a:t>
+            </a:r>
+            <a:r>
+              <a:rPr lang="zh-CN" altLang="en-US" dirty="0" smtClean="0">
+                <a:solidFill>
+                  <a:srgbClr val="FF0000"/>
+                </a:solidFill>
+                <a:sym typeface="+mn-ea"/>
+              </a:rPr>
+              <a:t> </a:t>
+            </a:r>
+            <a:r>
+              <a:rPr lang="mr-IN" altLang="zh-CN" dirty="0" smtClean="0">
+                <a:solidFill>
+                  <a:srgbClr val="FF0000"/>
+                </a:solidFill>
+                <a:sym typeface="+mn-ea"/>
+              </a:rPr>
+              <a:t>–</a:t>
+            </a:r>
+            <a:r>
+              <a:rPr lang="zh-CN" altLang="en-US" dirty="0" smtClean="0">
+                <a:solidFill>
+                  <a:srgbClr val="FF0000"/>
+                </a:solidFill>
+                <a:sym typeface="+mn-ea"/>
+              </a:rPr>
+              <a:t> </a:t>
+            </a:r>
+            <a:r>
+              <a:rPr lang="en-US" altLang="zh-CN" dirty="0" smtClean="0">
+                <a:solidFill>
+                  <a:srgbClr val="FF0000"/>
+                </a:solidFill>
+                <a:sym typeface="+mn-ea"/>
+              </a:rPr>
+              <a:t>1)  = hash &amp; 16 -1 =  hash &amp; 1111</a:t>
+            </a:r>
+            <a:endParaRPr lang="en-US" altLang="zh-CN" dirty="0">
               <a:solidFill>
                 <a:srgbClr val="FF0000"/>
               </a:solidFill>
@@ -3234,6 +3256,7 @@
           <a:bodyPr wrap="none" rtlCol="0">
             <a:spAutoFit/>
           </a:bodyPr>
+          <a:lstStyle/>
           <a:p>
             <a:pPr algn="l"/>
             <a:r>
@@ -3242,9 +3265,6 @@
               </a:rPr>
               <a:t>    1100100     -&gt;   100</a:t>
             </a:r>
-            <a:endParaRPr lang="en-US" altLang="zh-CN">
-              <a:sym typeface="+mn-ea"/>
-            </a:endParaRPr>
           </a:p>
           <a:p>
             <a:pPr algn="l"/>
@@ -3254,9 +3274,6 @@
               </a:rPr>
               <a:t>&amp;        1111     -&gt;   16-1</a:t>
             </a:r>
-            <a:endParaRPr lang="en-US" altLang="zh-CN">
-              <a:sym typeface="+mn-ea"/>
-            </a:endParaRPr>
           </a:p>
           <a:p>
             <a:pPr algn="l"/>
@@ -3266,9 +3283,6 @@
               </a:rPr>
               <a:t>           0100    -&gt;   4</a:t>
             </a:r>
-            <a:endParaRPr lang="en-US" altLang="zh-CN">
-              <a:sym typeface="+mn-ea"/>
-            </a:endParaRPr>
           </a:p>
         </p:txBody>
       </p:sp>
@@ -3292,6 +3306,7 @@
           <a:bodyPr wrap="none" rtlCol="0">
             <a:spAutoFit/>
           </a:bodyPr>
+          <a:lstStyle/>
           <a:p>
             <a:pPr algn="l"/>
             <a:r>
@@ -3300,9 +3315,6 @@
               </a:rPr>
               <a:t>    1101010     -&gt;   160</a:t>
             </a:r>
-            <a:endParaRPr lang="en-US" altLang="zh-CN">
-              <a:sym typeface="+mn-ea"/>
-            </a:endParaRPr>
           </a:p>
           <a:p>
             <a:pPr algn="l"/>
@@ -3312,9 +3324,6 @@
               </a:rPr>
               <a:t>&amp;        1111     -&gt;   16-1</a:t>
             </a:r>
-            <a:endParaRPr lang="en-US" altLang="zh-CN">
-              <a:sym typeface="+mn-ea"/>
-            </a:endParaRPr>
           </a:p>
           <a:p>
             <a:pPr algn="l"/>
@@ -3324,9 +3333,6 @@
               </a:rPr>
               <a:t>           0100    -&gt;   4</a:t>
             </a:r>
-            <a:endParaRPr lang="en-US" altLang="zh-CN">
-              <a:sym typeface="+mn-ea"/>
-            </a:endParaRPr>
           </a:p>
         </p:txBody>
       </p:sp>
@@ -3350,6 +3356,7 @@
           <a:bodyPr wrap="none" rtlCol="0">
             <a:spAutoFit/>
           </a:bodyPr>
+          <a:lstStyle/>
           <a:p>
             <a:pPr algn="l"/>
             <a:r>
@@ -3358,9 +3365,6 @@
               </a:rPr>
               <a:t>    1100100     -&gt;   100</a:t>
             </a:r>
-            <a:endParaRPr lang="en-US" altLang="zh-CN">
-              <a:sym typeface="+mn-ea"/>
-            </a:endParaRPr>
           </a:p>
           <a:p>
             <a:pPr algn="l"/>
@@ -3385,9 +3389,6 @@
               </a:rPr>
               <a:t>1111     -&gt;   32-1</a:t>
             </a:r>
-            <a:endParaRPr lang="en-US" altLang="zh-CN">
-              <a:sym typeface="+mn-ea"/>
-            </a:endParaRPr>
           </a:p>
           <a:p>
             <a:pPr algn="l"/>
@@ -3397,9 +3398,6 @@
               </a:rPr>
               <a:t>         00100    -&gt;   4</a:t>
             </a:r>
-            <a:endParaRPr lang="en-US" altLang="zh-CN">
-              <a:sym typeface="+mn-ea"/>
-            </a:endParaRPr>
           </a:p>
         </p:txBody>
       </p:sp>
@@ -3412,7 +3410,7 @@
         <p:spPr>
           <a:xfrm>
             <a:off x="4859020" y="3703320"/>
-            <a:ext cx="4375785" cy="922020"/>
+            <a:ext cx="4547014" cy="923330"/>
           </a:xfrm>
           <a:prstGeom prst="rect">
             <a:avLst/>
@@ -3423,28 +3421,26 @@
           <a:bodyPr wrap="none" rtlCol="0">
             <a:spAutoFit/>
           </a:bodyPr>
+          <a:lstStyle/>
           <a:p>
             <a:pPr algn="l"/>
             <a:r>
-              <a:rPr lang="en-US" altLang="zh-CN">
+              <a:rPr lang="en-US" altLang="zh-CN" dirty="0">
                 <a:sym typeface="+mn-ea"/>
               </a:rPr>
               <a:t>    1101010     -&gt;   160</a:t>
             </a:r>
-            <a:endParaRPr lang="en-US" altLang="zh-CN">
-              <a:sym typeface="+mn-ea"/>
-            </a:endParaRPr>
           </a:p>
           <a:p>
             <a:pPr algn="l"/>
             <a:r>
-              <a:rPr lang="en-US" altLang="zh-CN">
+              <a:rPr lang="en-US" altLang="zh-CN" dirty="0">
                 <a:sym typeface="+mn-ea"/>
               </a:rPr>
               <a:t>&amp;       </a:t>
             </a:r>
             <a:r>
-              <a:rPr lang="en-US" altLang="zh-CN">
+              <a:rPr lang="en-US" altLang="zh-CN" dirty="0">
                 <a:solidFill>
                   <a:schemeClr val="accent4"/>
                 </a:solidFill>
@@ -3453,26 +3449,38 @@
               <a:t>1</a:t>
             </a:r>
             <a:r>
-              <a:rPr lang="en-US" altLang="zh-CN">
+              <a:rPr lang="en-US" altLang="zh-CN" dirty="0">
                 <a:sym typeface="+mn-ea"/>
               </a:rPr>
               <a:t>1111     -&gt;   32-1</a:t>
             </a:r>
-            <a:endParaRPr lang="en-US" altLang="zh-CN">
-              <a:sym typeface="+mn-ea"/>
-            </a:endParaRPr>
           </a:p>
           <a:p>
             <a:pPr algn="l"/>
             <a:r>
-              <a:rPr lang="en-US" altLang="zh-CN">
+              <a:rPr lang="en-US" altLang="zh-CN" dirty="0">
                 <a:sym typeface="+mn-ea"/>
               </a:rPr>
-              <a:t>          1100    -&gt;     4 + oldCap(1000) = 12</a:t>
-            </a:r>
-            <a:endParaRPr lang="en-US" altLang="zh-CN">
-              <a:sym typeface="+mn-ea"/>
-            </a:endParaRPr>
+              <a:t>          1100    -&gt;     4 + </a:t>
+            </a:r>
+            <a:r>
+              <a:rPr lang="en-US" altLang="zh-CN" dirty="0" err="1" smtClean="0">
+                <a:sym typeface="+mn-ea"/>
+              </a:rPr>
+              <a:t>oldCap</a:t>
+            </a:r>
+            <a:r>
+              <a:rPr lang="en-US" altLang="zh-CN" dirty="0" smtClean="0">
+                <a:sym typeface="+mn-ea"/>
+              </a:rPr>
+              <a:t>(10000) </a:t>
+            </a:r>
+            <a:r>
+              <a:rPr lang="en-US" altLang="zh-CN" dirty="0">
+                <a:sym typeface="+mn-ea"/>
+              </a:rPr>
+              <a:t>= 12</a:t>
+            </a:r>
           </a:p>
         </p:txBody>
       </p:sp>
@@ -3485,7 +3493,7 @@
         <p:spPr>
           <a:xfrm>
             <a:off x="1057275" y="2924810"/>
-            <a:ext cx="3891280" cy="645160"/>
+            <a:ext cx="4848507" cy="646331"/>
           </a:xfrm>
           <a:prstGeom prst="rect">
             <a:avLst/>
@@ -3496,16 +3504,57 @@
           <a:bodyPr wrap="none" rtlCol="0">
             <a:spAutoFit/>
           </a:bodyPr>
-          <a:p>
-            <a:r>
-              <a:rPr lang="en-US" altLang="zh-CN">
+          <a:lstStyle/>
+          <a:p>
+            <a:r>
+              <a:rPr lang="en-US" altLang="zh-CN" dirty="0" err="1">
                 <a:solidFill>
                   <a:srgbClr val="FF0000"/>
                 </a:solidFill>
               </a:rPr>
-              <a:t>newCap = oldCap &lt;&lt; 1 (10000 = 32)</a:t>
-            </a:r>
-            <a:endParaRPr lang="en-US" altLang="zh-CN">
+              <a:t>newCap</a:t>
+            </a:r>
+            <a:r>
+              <a:rPr lang="en-US" altLang="zh-CN" dirty="0">
+                <a:solidFill>
+                  <a:srgbClr val="FF0000"/>
+                </a:solidFill>
+              </a:rPr>
+              <a:t> = </a:t>
+            </a:r>
+            <a:r>
+              <a:rPr lang="en-US" altLang="zh-CN" dirty="0" err="1">
+                <a:solidFill>
+                  <a:srgbClr val="FF0000"/>
+                </a:solidFill>
+              </a:rPr>
+              <a:t>oldCap</a:t>
+            </a:r>
+            <a:r>
+              <a:rPr lang="en-US" altLang="zh-CN" dirty="0">
+                <a:solidFill>
+                  <a:srgbClr val="FF0000"/>
+                </a:solidFill>
+              </a:rPr>
+              <a:t> &lt;&lt; 1 </a:t>
+            </a:r>
+            <a:r>
+              <a:rPr lang="en-US" altLang="zh-CN" dirty="0">
+                <a:solidFill>
+                  <a:srgbClr val="FF0000"/>
+                </a:solidFill>
+              </a:rPr>
+              <a:t> </a:t>
+            </a:r>
+            <a:r>
+              <a:rPr lang="en-US" altLang="zh-CN" dirty="0" smtClean="0">
+                <a:solidFill>
+                  <a:srgbClr val="FF0000"/>
+                </a:solidFill>
+              </a:rPr>
+              <a:t>= 32 = 100000</a:t>
+            </a:r>
+            <a:endParaRPr lang="en-US" altLang="zh-CN" dirty="0" smtClean="0">
               <a:solidFill>
                 <a:srgbClr val="FF0000"/>
               </a:solidFill>
@@ -3513,14 +3562,46 @@
           </a:p>
           <a:p>
             <a:r>
-              <a:rPr lang="en-US" altLang="zh-CN">
+              <a:rPr lang="en-US" altLang="zh-CN" dirty="0" smtClean="0">
                 <a:solidFill>
                   <a:srgbClr val="FF0000"/>
                 </a:solidFill>
               </a:rPr>
-              <a:t>index = hash &amp; newCap</a:t>
-            </a:r>
-            <a:endParaRPr lang="en-US" altLang="zh-CN">
+              <a:t>index = hash &amp; (</a:t>
+            </a:r>
+            <a:r>
+              <a:rPr lang="en-US" altLang="zh-CN" dirty="0" err="1" smtClean="0">
+                <a:solidFill>
+                  <a:srgbClr val="FF0000"/>
+                </a:solidFill>
+              </a:rPr>
+              <a:t>newCap</a:t>
+            </a:r>
+            <a:r>
+              <a:rPr lang="en-US" altLang="zh-CN" dirty="0" smtClean="0">
+                <a:solidFill>
+                  <a:srgbClr val="FF0000"/>
+                </a:solidFill>
+              </a:rPr>
+              <a:t> </a:t>
+            </a:r>
+            <a:r>
+              <a:rPr lang="mr-IN" altLang="zh-CN" dirty="0" smtClean="0">
+                <a:solidFill>
+                  <a:srgbClr val="FF0000"/>
+                </a:solidFill>
+              </a:rPr>
+              <a:t>–</a:t>
+            </a:r>
+            <a:r>
+              <a:rPr lang="en-US" altLang="zh-CN" dirty="0" smtClean="0">
+                <a:solidFill>
+                  <a:srgbClr val="FF0000"/>
+                </a:solidFill>
+              </a:rPr>
+              <a:t> 1)  = hash &amp; 11111</a:t>
+            </a:r>
+            <a:endParaRPr lang="en-US" altLang="zh-CN" dirty="0">
               <a:solidFill>
                 <a:srgbClr val="FF0000"/>
               </a:solidFill>
@@ -3537,7 +3618,7 @@
         <p:spPr>
           <a:xfrm>
             <a:off x="1057275" y="4843145"/>
-            <a:ext cx="8431530" cy="2306955"/>
+            <a:ext cx="10076890" cy="2308324"/>
           </a:xfrm>
           <a:prstGeom prst="rect">
             <a:avLst/>
@@ -3548,179 +3629,302 @@
           <a:bodyPr wrap="square" rtlCol="0">
             <a:spAutoFit/>
           </a:bodyPr>
+          <a:lstStyle/>
           <a:p>
             <a:pPr algn="l"/>
             <a:r>
-              <a:rPr lang="zh-CN" altLang="zh-CN">
+              <a:rPr lang="zh-CN" altLang="zh-CN" dirty="0">
                 <a:sym typeface="+mn-ea"/>
               </a:rPr>
               <a:t>从上面可以看出</a:t>
             </a:r>
             <a:r>
-              <a:rPr lang="en-US" altLang="zh-CN">
+              <a:rPr lang="en-US" altLang="zh-CN" dirty="0">
                 <a:sym typeface="+mn-ea"/>
               </a:rPr>
               <a:t>index</a:t>
             </a:r>
             <a:r>
-              <a:rPr lang="zh-CN" altLang="en-US">
+              <a:rPr lang="zh-CN" altLang="en-US" dirty="0">
                 <a:sym typeface="+mn-ea"/>
               </a:rPr>
               <a:t>是否有变化，</a:t>
             </a:r>
             <a:r>
-              <a:rPr lang="zh-CN" altLang="en-US">
+              <a:rPr lang="zh-CN" altLang="en-US" dirty="0">
                 <a:solidFill>
-                  <a:schemeClr val="accent4"/>
+                  <a:schemeClr val="tx1">
+                    <a:lumMod val="95000"/>
+                    <a:lumOff val="5000"/>
+                  </a:schemeClr>
                 </a:solidFill>
                 <a:sym typeface="+mn-ea"/>
               </a:rPr>
               <a:t>取决于最高位</a:t>
             </a:r>
             <a:r>
-              <a:rPr lang="en-US" altLang="zh-CN">
+              <a:rPr lang="en-US" altLang="zh-CN" dirty="0">
                 <a:solidFill>
-                  <a:schemeClr val="accent4"/>
+                  <a:schemeClr val="tx1">
+                    <a:lumMod val="95000"/>
+                    <a:lumOff val="5000"/>
+                  </a:schemeClr>
                 </a:solidFill>
                 <a:sym typeface="+mn-ea"/>
               </a:rPr>
               <a:t>10000</a:t>
             </a:r>
             <a:r>
-              <a:rPr lang="zh-CN" altLang="en-US">
+              <a:rPr lang="zh-CN" altLang="en-US" dirty="0">
                 <a:solidFill>
-                  <a:schemeClr val="accent4"/>
+                  <a:schemeClr val="tx1">
+                    <a:lumMod val="95000"/>
+                    <a:lumOff val="5000"/>
+                  </a:schemeClr>
                 </a:solidFill>
                 <a:sym typeface="+mn-ea"/>
               </a:rPr>
               <a:t>（</a:t>
             </a:r>
             <a:r>
-              <a:rPr lang="en-US" altLang="zh-CN">
+              <a:rPr lang="en-US" altLang="zh-CN" dirty="0">
                 <a:solidFill>
-                  <a:schemeClr val="accent4"/>
+                  <a:schemeClr val="tx1">
+                    <a:lumMod val="95000"/>
+                    <a:lumOff val="5000"/>
+                  </a:schemeClr>
                 </a:solidFill>
                 <a:sym typeface="+mn-ea"/>
               </a:rPr>
               <a:t>16</a:t>
             </a:r>
             <a:r>
-              <a:rPr lang="zh-CN" altLang="en-US">
+              <a:rPr lang="zh-CN" altLang="en-US" dirty="0" smtClean="0">
                 <a:solidFill>
-                  <a:schemeClr val="accent4"/>
+                  <a:schemeClr val="tx1">
+                    <a:lumMod val="95000"/>
+                    <a:lumOff val="5000"/>
+                  </a:schemeClr>
                 </a:solidFill>
                 <a:sym typeface="+mn-ea"/>
               </a:rPr>
               <a:t>）</a:t>
             </a:r>
-            <a:endParaRPr lang="zh-CN" altLang="zh-CN"/>
+            <a:r>
+              <a:rPr lang="en-US" altLang="zh-CN" dirty="0" smtClean="0">
+                <a:solidFill>
+                  <a:schemeClr val="tx1">
+                    <a:lumMod val="95000"/>
+                    <a:lumOff val="5000"/>
+                  </a:schemeClr>
+                </a:solidFill>
+                <a:sym typeface="+mn-ea"/>
+              </a:rPr>
+              <a:t>,</a:t>
+            </a:r>
+            <a:r>
+              <a:rPr lang="zh-CN" altLang="en-US" dirty="0" smtClean="0">
+                <a:solidFill>
+                  <a:schemeClr val="tx1">
+                    <a:lumMod val="95000"/>
+                    <a:lumOff val="5000"/>
+                  </a:schemeClr>
+                </a:solidFill>
+                <a:sym typeface="+mn-ea"/>
+              </a:rPr>
+              <a:t>最高位只有两种变化</a:t>
+            </a:r>
+            <a:r>
+              <a:rPr lang="en-US" altLang="zh-CN" dirty="0" smtClean="0">
+                <a:solidFill>
+                  <a:schemeClr val="tx1">
+                    <a:lumMod val="95000"/>
+                    <a:lumOff val="5000"/>
+                  </a:schemeClr>
+                </a:solidFill>
+                <a:sym typeface="+mn-ea"/>
+              </a:rPr>
+              <a:t>1</a:t>
+            </a:r>
+            <a:r>
+              <a:rPr lang="zh-CN" altLang="en-US" dirty="0" smtClean="0">
+                <a:solidFill>
+                  <a:schemeClr val="tx1">
+                    <a:lumMod val="95000"/>
+                    <a:lumOff val="5000"/>
+                  </a:schemeClr>
+                </a:solidFill>
+                <a:sym typeface="+mn-ea"/>
+              </a:rPr>
+              <a:t>和</a:t>
+            </a:r>
+            <a:r>
+              <a:rPr lang="en-US" altLang="zh-CN" dirty="0" smtClean="0">
+                <a:solidFill>
+                  <a:schemeClr val="tx1">
+                    <a:lumMod val="95000"/>
+                    <a:lumOff val="5000"/>
+                  </a:schemeClr>
+                </a:solidFill>
+                <a:sym typeface="+mn-ea"/>
+              </a:rPr>
+              <a:t>0</a:t>
+            </a:r>
+            <a:r>
+              <a:rPr lang="zh-CN" altLang="en-US" dirty="0" smtClean="0">
+                <a:solidFill>
+                  <a:schemeClr val="tx1">
+                    <a:lumMod val="95000"/>
+                    <a:lumOff val="5000"/>
+                  </a:schemeClr>
+                </a:solidFill>
+                <a:sym typeface="+mn-ea"/>
+              </a:rPr>
+              <a:t>，</a:t>
+            </a:r>
+            <a:endParaRPr lang="en-US" altLang="zh-CN" dirty="0" smtClean="0">
+              <a:solidFill>
+                <a:schemeClr val="tx1">
+                  <a:lumMod val="95000"/>
+                  <a:lumOff val="5000"/>
+                </a:schemeClr>
+              </a:solidFill>
+              <a:sym typeface="+mn-ea"/>
+            </a:endParaRPr>
           </a:p>
           <a:p>
             <a:pPr algn="l"/>
             <a:r>
-              <a:rPr lang="zh-CN" altLang="zh-CN"/>
-              <a:t>由于</a:t>
-            </a:r>
-            <a:r>
-              <a:rPr lang="en-US" altLang="zh-CN"/>
-              <a:t>HashMap</a:t>
-            </a:r>
-            <a:r>
-              <a:rPr lang="zh-CN" altLang="en-US"/>
-              <a:t>的扩容方式</a:t>
-            </a:r>
-            <a:r>
-              <a:rPr lang="en-US" altLang="zh-CN"/>
+              <a:rPr lang="zh-CN" altLang="en-US" dirty="0" smtClean="0">
+                <a:solidFill>
+                  <a:schemeClr val="tx1">
+                    <a:lumMod val="95000"/>
+                    <a:lumOff val="5000"/>
+                  </a:schemeClr>
+                </a:solidFill>
+                <a:sym typeface="+mn-ea"/>
+              </a:rPr>
+              <a:t>所以重新计算的</a:t>
+            </a:r>
+            <a:r>
+              <a:rPr lang="en-US" altLang="zh-CN" dirty="0" smtClean="0">
+                <a:solidFill>
+                  <a:schemeClr val="tx1">
+                    <a:lumMod val="95000"/>
+                    <a:lumOff val="5000"/>
+                  </a:schemeClr>
+                </a:solidFill>
+                <a:sym typeface="+mn-ea"/>
+              </a:rPr>
+              <a:t>index</a:t>
+            </a:r>
+            <a:r>
+              <a:rPr lang="zh-CN" altLang="en-US" dirty="0" smtClean="0">
+                <a:solidFill>
+                  <a:schemeClr val="tx1">
+                    <a:lumMod val="95000"/>
+                    <a:lumOff val="5000"/>
+                  </a:schemeClr>
+                </a:solidFill>
+                <a:sym typeface="+mn-ea"/>
+              </a:rPr>
+              <a:t>也只有两种变化</a:t>
+            </a:r>
+            <a:endParaRPr lang="zh-CN" altLang="zh-CN" dirty="0">
+              <a:solidFill>
+                <a:schemeClr val="tx1">
+                  <a:lumMod val="95000"/>
+                  <a:lumOff val="5000"/>
+                </a:schemeClr>
+              </a:solidFill>
+            </a:endParaRPr>
+          </a:p>
+          <a:p>
+            <a:pPr algn="l"/>
+            <a:r>
+              <a:rPr lang="en-US" altLang="zh-CN" dirty="0" smtClean="0"/>
+              <a:t>1</a:t>
+            </a:r>
+            <a:r>
+              <a:rPr lang="en-US" altLang="zh-CN" dirty="0"/>
+              <a:t>. index = </a:t>
+            </a:r>
+            <a:r>
+              <a:rPr lang="en-US" altLang="zh-CN" dirty="0" err="1"/>
+              <a:t>oldIndex</a:t>
+            </a:r>
+            <a:endParaRPr lang="zh-CN" altLang="en-US" dirty="0"/>
+          </a:p>
+          <a:p>
+            <a:pPr algn="l"/>
+            <a:r>
+              <a:rPr lang="en-US" altLang="zh-CN" dirty="0"/>
+              <a:t>2. index = </a:t>
+            </a:r>
+            <a:r>
+              <a:rPr lang="en-US" altLang="zh-CN" dirty="0" err="1"/>
+              <a:t>oldIndex</a:t>
+            </a:r>
+            <a:r>
+              <a:rPr lang="en-US" altLang="zh-CN" dirty="0"/>
+              <a:t> + </a:t>
+            </a:r>
+            <a:r>
+              <a:rPr lang="en-US" altLang="zh-CN" dirty="0" err="1"/>
+              <a:t>oldCap</a:t>
+            </a:r>
+            <a:endParaRPr lang="en-US" altLang="zh-CN" dirty="0"/>
+          </a:p>
+          <a:p>
+            <a:pPr algn="l"/>
+            <a:endParaRPr lang="zh-CN" altLang="en-US" dirty="0"/>
+          </a:p>
+          <a:p>
+            <a:pPr algn="l"/>
+            <a:r>
+              <a:rPr lang="zh-CN" altLang="en-US" dirty="0"/>
+              <a:t>决定是</a:t>
+            </a:r>
+            <a:r>
+              <a:rPr lang="en-US" altLang="zh-CN" dirty="0"/>
+              <a:t>1</a:t>
+            </a:r>
+            <a:r>
+              <a:rPr lang="zh-CN" altLang="en-US" dirty="0"/>
+              <a:t>还是</a:t>
+            </a:r>
+            <a:r>
+              <a:rPr lang="en-US" altLang="zh-CN" dirty="0"/>
               <a:t>2</a:t>
             </a:r>
             <a:r>
-              <a:rPr lang="zh-CN" altLang="zh-CN"/>
-              <a:t>的</a:t>
-            </a:r>
-            <a:r>
-              <a:rPr lang="en-US" altLang="zh-CN"/>
-              <a:t>n</a:t>
-            </a:r>
-            <a:r>
-              <a:rPr lang="zh-CN" altLang="en-US"/>
-              <a:t>次幂</a:t>
-            </a:r>
-            <a:r>
-              <a:rPr lang="zh-CN" altLang="en-US"/>
-              <a:t>，如果</a:t>
-            </a:r>
-            <a:r>
-              <a:rPr lang="en-US" altLang="zh-CN"/>
-              <a:t>table</a:t>
-            </a:r>
-            <a:r>
-              <a:rPr lang="zh-CN" altLang="en-US"/>
-              <a:t>上面连着链表，链表上面的</a:t>
-            </a:r>
-            <a:r>
-              <a:rPr lang="en-US" altLang="zh-CN"/>
-              <a:t>Node</a:t>
-            </a:r>
-            <a:endParaRPr lang="en-US" altLang="zh-CN"/>
+              <a:rPr lang="zh-CN" altLang="en-US" dirty="0"/>
+              <a:t>，有个简单的判断方法， </a:t>
+            </a:r>
+            <a:r>
+              <a:rPr lang="en-US" altLang="zh-CN" dirty="0"/>
+              <a:t>hash &amp; </a:t>
+            </a:r>
+            <a:r>
+              <a:rPr lang="en-US" altLang="zh-CN" dirty="0" err="1"/>
+              <a:t>oldCap</a:t>
+            </a:r>
+            <a:r>
+              <a:rPr lang="en-US" altLang="zh-CN" dirty="0"/>
+              <a:t> == 0 </a:t>
+            </a:r>
+            <a:r>
+              <a:rPr lang="zh-CN" altLang="en-US" dirty="0"/>
+              <a:t>留下原位，否则移动</a:t>
+            </a:r>
+            <a:endParaRPr lang="en-US" altLang="zh-CN" dirty="0"/>
           </a:p>
           <a:p>
             <a:pPr algn="l"/>
-            <a:r>
-              <a:rPr lang="en-US" altLang="zh-CN"/>
-              <a:t>1. index = oldIndex</a:t>
-            </a:r>
-            <a:endParaRPr lang="zh-CN" altLang="en-US"/>
-          </a:p>
-          <a:p>
-            <a:pPr algn="l"/>
-            <a:r>
-              <a:rPr lang="en-US" altLang="zh-CN"/>
-              <a:t>2. index = oldIndex + oldCap</a:t>
-            </a:r>
-            <a:endParaRPr lang="en-US" altLang="zh-CN"/>
-          </a:p>
-          <a:p>
-            <a:pPr algn="l"/>
-            <a:endParaRPr lang="zh-CN" altLang="en-US"/>
-          </a:p>
-          <a:p>
-            <a:pPr algn="l"/>
-            <a:r>
-              <a:rPr lang="zh-CN" altLang="en-US"/>
-              <a:t>决定是</a:t>
-            </a:r>
-            <a:r>
-              <a:rPr lang="en-US" altLang="zh-CN"/>
-              <a:t>1</a:t>
-            </a:r>
-            <a:r>
-              <a:rPr lang="zh-CN" altLang="en-US"/>
-              <a:t>还是</a:t>
-            </a:r>
-            <a:r>
-              <a:rPr lang="en-US" altLang="zh-CN"/>
-              <a:t>2</a:t>
-            </a:r>
-            <a:r>
-              <a:rPr lang="zh-CN" altLang="en-US"/>
-              <a:t>，有个简单的判断方法， </a:t>
-            </a:r>
-            <a:r>
-              <a:rPr lang="en-US" altLang="zh-CN"/>
-              <a:t>hash &amp; oldCap == 0 </a:t>
-            </a:r>
-            <a:r>
-              <a:rPr lang="zh-CN" altLang="en-US"/>
-              <a:t>留下原位，否则移动</a:t>
-            </a:r>
-            <a:endParaRPr lang="en-US" altLang="zh-CN"/>
-          </a:p>
-          <a:p>
-            <a:pPr algn="l"/>
-            <a:endParaRPr lang="en-US" altLang="zh-CN"/>
-          </a:p>
-          <a:p>
-            <a:endParaRPr lang="en-US" altLang="zh-CN"/>
+            <a:endParaRPr lang="en-US" altLang="zh-CN" dirty="0"/>
+          </a:p>
+          <a:p>
+            <a:endParaRPr lang="en-US" altLang="zh-CN" dirty="0"/>
           </a:p>
         </p:txBody>
       </p:sp>
@@ -3736,7 +3940,7 @@
 </file>
 
 <file path=ppt/tags/tag1.xml><?xml version="1.0" encoding="utf-8"?>
-<p:tagLst xmlns:p="http://schemas.openxmlformats.org/presentationml/2006/main">
+<p:tagLst xmlns:a="http://schemas.openxmlformats.org/drawingml/2006/main" xmlns:r="http://schemas.openxmlformats.org/officeDocument/2006/relationships" xmlns:p="http://schemas.openxmlformats.org/presentationml/2006/main">
   <p:tag name="KSO_WM_TAG_VERSION" val="1.0"/>
   <p:tag name="KSO_WM_TEMPLATE_CATEGORY" val="custom"/>
   <p:tag name="KSO_WM_TEMPLATE_INDEX" val="20184553"/>
@@ -3744,7 +3948,7 @@
 </file>
 
 <file path=ppt/tags/tag2.xml><?xml version="1.0" encoding="utf-8"?>
-<p:tagLst xmlns:p="http://schemas.openxmlformats.org/presentationml/2006/main">
+<p:tagLst xmlns:a="http://schemas.openxmlformats.org/drawingml/2006/main" xmlns:r="http://schemas.openxmlformats.org/officeDocument/2006/relationships" xmlns:p="http://schemas.openxmlformats.org/presentationml/2006/main">
   <p:tag name="KSO_WM_TAG_VERSION" val="1.0"/>
   <p:tag name="KSO_WM_TEMPLATE_CATEGORY" val="custom"/>
   <p:tag name="KSO_WM_TEMPLATE_INDEX" val="20184553"/>
@@ -3752,7 +3956,7 @@
 </file>
 
 <file path=ppt/tags/tag3.xml><?xml version="1.0" encoding="utf-8"?>
-<p:tagLst xmlns:p="http://schemas.openxmlformats.org/presentationml/2006/main">
+<p:tagLst xmlns:a="http://schemas.openxmlformats.org/drawingml/2006/main" xmlns:r="http://schemas.openxmlformats.org/officeDocument/2006/relationships" xmlns:p="http://schemas.openxmlformats.org/presentationml/2006/main">
   <p:tag name="KSO_WM_TEMPLATE_TOPIC_DEFAULT" val="1"/>
   <p:tag name="KSO_WM_TEMPLATE_JOB_ID" val="2"/>
   <p:tag name="KSO_WM_TEMPLATE_SCENE_ID" val="1"/>
@@ -3767,7 +3971,7 @@
 </file>
 
 <file path=ppt/tags/tag4.xml><?xml version="1.0" encoding="utf-8"?>
-<p:tagLst xmlns:p="http://schemas.openxmlformats.org/presentationml/2006/main">
+<p:tagLst xmlns:a="http://schemas.openxmlformats.org/drawingml/2006/main" xmlns:r="http://schemas.openxmlformats.org/officeDocument/2006/relationships" xmlns:p="http://schemas.openxmlformats.org/presentationml/2006/main">
   <p:tag name="KSO_WM_SLIDE_SUBTYPE" val="pureTxt"/>
   <p:tag name="KSO_WM_TEMPLATE_TOPIC_DEFAULT" val="1"/>
   <p:tag name="KSO_WM_TEMPLATE_JOB_ID" val="2"/>
@@ -3981,6 +4185,8 @@
       </a:bgFillStyleLst>
     </a:fmtScheme>
   </a:themeElements>
+  <a:objectDefaults/>
+  <a:extraClrSchemeLst/>
   <a:extLst>
     <a:ext uri="{05A4C25C-085E-4340-85A3-A5531E510DB2}">
       <thm15:themeFamily xmlns:thm15="http://schemas.microsoft.com/office/thememl/2012/main" name="Office Theme" id="{62F939B6-93AF-4DB8-9C6B-D6C7DFDC589F}" vid="{4A3C46E8-61CC-4603-A589-7422A47A8E4A}"/>
@@ -4240,6 +4446,8 @@
       </a:bgFillStyleLst>
     </a:fmtScheme>
   </a:themeElements>
+  <a:objectDefaults/>
+  <a:extraClrSchemeLst/>
   <a:extLst>
     <a:ext uri="{05A4C25C-085E-4340-85A3-A5531E510DB2}">
       <thm15:themeFamily xmlns:thm15="http://schemas.microsoft.com/office/thememl/2012/main" name="Office Theme" id="{62F939B6-93AF-4DB8-9C6B-D6C7DFDC589F}" vid="{4A3C46E8-61CC-4603-A589-7422A47A8E4A}"/>
